--- a/ppt 16-9/0407.美丽的早晨.pptx
+++ b/ppt 16-9/0407.美丽的早晨.pptx
@@ -129,7 +129,7 @@
           <p:cNvPr id="2" name="标题 1">
             <a:extLst>
               <a:ext uri="{FF2B5EF4-FFF2-40B4-BE49-F238E27FC236}">
-                <a16:creationId xmlns:a16="http://schemas.microsoft.com/office/drawing/2014/main" id="{3674D14E-6AC5-1363-65E9-AF2772F25478}"/>
+                <a16:creationId xmlns:a16="http://schemas.microsoft.com/office/drawing/2014/main" id="{DEEFF65E-EF3F-BDC0-4509-844719A53A19}"/>
               </a:ext>
             </a:extLst>
           </p:cNvPr>
@@ -166,7 +166,7 @@
           <p:cNvPr id="3" name="副标题 2">
             <a:extLst>
               <a:ext uri="{FF2B5EF4-FFF2-40B4-BE49-F238E27FC236}">
-                <a16:creationId xmlns:a16="http://schemas.microsoft.com/office/drawing/2014/main" id="{E76353D1-AB63-8D4B-182E-9D500291F201}"/>
+                <a16:creationId xmlns:a16="http://schemas.microsoft.com/office/drawing/2014/main" id="{37279891-F15A-4ED3-2665-7BDFA5E023CD}"/>
               </a:ext>
             </a:extLst>
           </p:cNvPr>
@@ -236,7 +236,7 @@
           <p:cNvPr id="4" name="日期占位符 3">
             <a:extLst>
               <a:ext uri="{FF2B5EF4-FFF2-40B4-BE49-F238E27FC236}">
-                <a16:creationId xmlns:a16="http://schemas.microsoft.com/office/drawing/2014/main" id="{67BFE32C-A5F5-0B1D-4604-DE33B2E4D841}"/>
+                <a16:creationId xmlns:a16="http://schemas.microsoft.com/office/drawing/2014/main" id="{577793B6-9F03-B066-61C7-2761FDD6BEEF}"/>
               </a:ext>
             </a:extLst>
           </p:cNvPr>
@@ -252,7 +252,7 @@
           <a:bodyPr/>
           <a:lstStyle/>
           <a:p>
-            <a:fld id="{EA8FE8B1-C6BF-4657-9D77-F8C74B43519F}" type="datetimeFigureOut">
+            <a:fld id="{3E66563F-FDAF-4F26-8E0B-86FA26ECA014}" type="datetimeFigureOut">
               <a:rPr lang="zh-CN" altLang="en-US" smtClean="0"/>
               <a:t>2024/3/10</a:t>
             </a:fld>
@@ -265,7 +265,7 @@
           <p:cNvPr id="5" name="页脚占位符 4">
             <a:extLst>
               <a:ext uri="{FF2B5EF4-FFF2-40B4-BE49-F238E27FC236}">
-                <a16:creationId xmlns:a16="http://schemas.microsoft.com/office/drawing/2014/main" id="{019581EB-6380-FADF-B024-37B5A43B63CF}"/>
+                <a16:creationId xmlns:a16="http://schemas.microsoft.com/office/drawing/2014/main" id="{57D8F675-9BE6-DEA0-4383-759AF6A0EBDA}"/>
               </a:ext>
             </a:extLst>
           </p:cNvPr>
@@ -290,7 +290,7 @@
           <p:cNvPr id="6" name="灯片编号占位符 5">
             <a:extLst>
               <a:ext uri="{FF2B5EF4-FFF2-40B4-BE49-F238E27FC236}">
-                <a16:creationId xmlns:a16="http://schemas.microsoft.com/office/drawing/2014/main" id="{CA80F37D-D448-242D-5E59-896711E476BD}"/>
+                <a16:creationId xmlns:a16="http://schemas.microsoft.com/office/drawing/2014/main" id="{649D1ECA-3AC7-0595-DB62-660AA070D07F}"/>
               </a:ext>
             </a:extLst>
           </p:cNvPr>
@@ -306,7 +306,7 @@
           <a:bodyPr/>
           <a:lstStyle/>
           <a:p>
-            <a:fld id="{76197B81-2137-453D-AD4A-81B0A1B3C2B8}" type="slidenum">
+            <a:fld id="{107EE151-E711-480E-B3BD-75C8A92290B4}" type="slidenum">
               <a:rPr lang="zh-CN" altLang="en-US" smtClean="0"/>
               <a:t>‹#›</a:t>
             </a:fld>
@@ -317,7 +317,7 @@
     </p:spTree>
     <p:extLst>
       <p:ext uri="{BB962C8B-B14F-4D97-AF65-F5344CB8AC3E}">
-        <p14:creationId xmlns:p14="http://schemas.microsoft.com/office/powerpoint/2010/main" val="3299089941"/>
+        <p14:creationId xmlns:p14="http://schemas.microsoft.com/office/powerpoint/2010/main" val="155555611"/>
       </p:ext>
     </p:extLst>
   </p:cSld>
@@ -349,7 +349,7 @@
           <p:cNvPr id="2" name="标题 1">
             <a:extLst>
               <a:ext uri="{FF2B5EF4-FFF2-40B4-BE49-F238E27FC236}">
-                <a16:creationId xmlns:a16="http://schemas.microsoft.com/office/drawing/2014/main" id="{C6D76A9C-67A0-583F-B6DB-8F43AC74452E}"/>
+                <a16:creationId xmlns:a16="http://schemas.microsoft.com/office/drawing/2014/main" id="{00CBBAFF-632D-41AA-41F6-7AC7B8D8F891}"/>
               </a:ext>
             </a:extLst>
           </p:cNvPr>
@@ -377,7 +377,7 @@
           <p:cNvPr id="3" name="竖排文字占位符 2">
             <a:extLst>
               <a:ext uri="{FF2B5EF4-FFF2-40B4-BE49-F238E27FC236}">
-                <a16:creationId xmlns:a16="http://schemas.microsoft.com/office/drawing/2014/main" id="{519BA03C-0389-48C9-8AF5-18B780A83B97}"/>
+                <a16:creationId xmlns:a16="http://schemas.microsoft.com/office/drawing/2014/main" id="{2DC0971C-00D9-2EC1-FA72-8286381CE3CA}"/>
               </a:ext>
             </a:extLst>
           </p:cNvPr>
@@ -434,7 +434,7 @@
           <p:cNvPr id="4" name="日期占位符 3">
             <a:extLst>
               <a:ext uri="{FF2B5EF4-FFF2-40B4-BE49-F238E27FC236}">
-                <a16:creationId xmlns:a16="http://schemas.microsoft.com/office/drawing/2014/main" id="{7BC81004-D32B-0A91-C392-3C1908C41689}"/>
+                <a16:creationId xmlns:a16="http://schemas.microsoft.com/office/drawing/2014/main" id="{3AD3AA8D-8A6D-6992-DCA3-F8EA0E81C812}"/>
               </a:ext>
             </a:extLst>
           </p:cNvPr>
@@ -450,7 +450,7 @@
           <a:bodyPr/>
           <a:lstStyle/>
           <a:p>
-            <a:fld id="{EA8FE8B1-C6BF-4657-9D77-F8C74B43519F}" type="datetimeFigureOut">
+            <a:fld id="{3E66563F-FDAF-4F26-8E0B-86FA26ECA014}" type="datetimeFigureOut">
               <a:rPr lang="zh-CN" altLang="en-US" smtClean="0"/>
               <a:t>2024/3/10</a:t>
             </a:fld>
@@ -463,7 +463,7 @@
           <p:cNvPr id="5" name="页脚占位符 4">
             <a:extLst>
               <a:ext uri="{FF2B5EF4-FFF2-40B4-BE49-F238E27FC236}">
-                <a16:creationId xmlns:a16="http://schemas.microsoft.com/office/drawing/2014/main" id="{E7F2BA05-A548-3254-27FF-D21E131547A9}"/>
+                <a16:creationId xmlns:a16="http://schemas.microsoft.com/office/drawing/2014/main" id="{FB5D7BBF-813E-0AEE-E8B1-E1B5156D8EEE}"/>
               </a:ext>
             </a:extLst>
           </p:cNvPr>
@@ -488,7 +488,7 @@
           <p:cNvPr id="6" name="灯片编号占位符 5">
             <a:extLst>
               <a:ext uri="{FF2B5EF4-FFF2-40B4-BE49-F238E27FC236}">
-                <a16:creationId xmlns:a16="http://schemas.microsoft.com/office/drawing/2014/main" id="{8D306A3F-89C9-79F0-63C9-A0058F8BB92E}"/>
+                <a16:creationId xmlns:a16="http://schemas.microsoft.com/office/drawing/2014/main" id="{27797D23-DA74-5187-B3AA-3B985C06F301}"/>
               </a:ext>
             </a:extLst>
           </p:cNvPr>
@@ -504,7 +504,7 @@
           <a:bodyPr/>
           <a:lstStyle/>
           <a:p>
-            <a:fld id="{76197B81-2137-453D-AD4A-81B0A1B3C2B8}" type="slidenum">
+            <a:fld id="{107EE151-E711-480E-B3BD-75C8A92290B4}" type="slidenum">
               <a:rPr lang="zh-CN" altLang="en-US" smtClean="0"/>
               <a:t>‹#›</a:t>
             </a:fld>
@@ -515,7 +515,7 @@
     </p:spTree>
     <p:extLst>
       <p:ext uri="{BB962C8B-B14F-4D97-AF65-F5344CB8AC3E}">
-        <p14:creationId xmlns:p14="http://schemas.microsoft.com/office/powerpoint/2010/main" val="3266766321"/>
+        <p14:creationId xmlns:p14="http://schemas.microsoft.com/office/powerpoint/2010/main" val="552970932"/>
       </p:ext>
     </p:extLst>
   </p:cSld>
@@ -547,7 +547,7 @@
           <p:cNvPr id="2" name="竖排标题 1">
             <a:extLst>
               <a:ext uri="{FF2B5EF4-FFF2-40B4-BE49-F238E27FC236}">
-                <a16:creationId xmlns:a16="http://schemas.microsoft.com/office/drawing/2014/main" id="{0CD6C213-C719-F323-53BF-FF8B91FF9CD8}"/>
+                <a16:creationId xmlns:a16="http://schemas.microsoft.com/office/drawing/2014/main" id="{9DE17324-1DDE-7212-A562-5CE2F9DABB36}"/>
               </a:ext>
             </a:extLst>
           </p:cNvPr>
@@ -580,7 +580,7 @@
           <p:cNvPr id="3" name="竖排文字占位符 2">
             <a:extLst>
               <a:ext uri="{FF2B5EF4-FFF2-40B4-BE49-F238E27FC236}">
-                <a16:creationId xmlns:a16="http://schemas.microsoft.com/office/drawing/2014/main" id="{825251B3-AD09-B852-01E9-8E9826535E7D}"/>
+                <a16:creationId xmlns:a16="http://schemas.microsoft.com/office/drawing/2014/main" id="{A90CB209-1B5C-B72F-1AB1-165980A1AF74}"/>
               </a:ext>
             </a:extLst>
           </p:cNvPr>
@@ -642,7 +642,7 @@
           <p:cNvPr id="4" name="日期占位符 3">
             <a:extLst>
               <a:ext uri="{FF2B5EF4-FFF2-40B4-BE49-F238E27FC236}">
-                <a16:creationId xmlns:a16="http://schemas.microsoft.com/office/drawing/2014/main" id="{23ED0225-7439-8224-DA04-95270F886D45}"/>
+                <a16:creationId xmlns:a16="http://schemas.microsoft.com/office/drawing/2014/main" id="{BFA1277B-8E21-55A9-D2E4-7ED0F074DB55}"/>
               </a:ext>
             </a:extLst>
           </p:cNvPr>
@@ -658,7 +658,7 @@
           <a:bodyPr/>
           <a:lstStyle/>
           <a:p>
-            <a:fld id="{EA8FE8B1-C6BF-4657-9D77-F8C74B43519F}" type="datetimeFigureOut">
+            <a:fld id="{3E66563F-FDAF-4F26-8E0B-86FA26ECA014}" type="datetimeFigureOut">
               <a:rPr lang="zh-CN" altLang="en-US" smtClean="0"/>
               <a:t>2024/3/10</a:t>
             </a:fld>
@@ -671,7 +671,7 @@
           <p:cNvPr id="5" name="页脚占位符 4">
             <a:extLst>
               <a:ext uri="{FF2B5EF4-FFF2-40B4-BE49-F238E27FC236}">
-                <a16:creationId xmlns:a16="http://schemas.microsoft.com/office/drawing/2014/main" id="{16637104-220D-93CE-4F9E-699BAEF358EB}"/>
+                <a16:creationId xmlns:a16="http://schemas.microsoft.com/office/drawing/2014/main" id="{4B0DA49E-712C-E31B-B783-6CC78CB26292}"/>
               </a:ext>
             </a:extLst>
           </p:cNvPr>
@@ -696,7 +696,7 @@
           <p:cNvPr id="6" name="灯片编号占位符 5">
             <a:extLst>
               <a:ext uri="{FF2B5EF4-FFF2-40B4-BE49-F238E27FC236}">
-                <a16:creationId xmlns:a16="http://schemas.microsoft.com/office/drawing/2014/main" id="{C4F6B4FE-DB40-4016-D165-F2E99D1E6365}"/>
+                <a16:creationId xmlns:a16="http://schemas.microsoft.com/office/drawing/2014/main" id="{4EF399C0-2BD1-45B5-3EAB-15BB12115997}"/>
               </a:ext>
             </a:extLst>
           </p:cNvPr>
@@ -712,7 +712,7 @@
           <a:bodyPr/>
           <a:lstStyle/>
           <a:p>
-            <a:fld id="{76197B81-2137-453D-AD4A-81B0A1B3C2B8}" type="slidenum">
+            <a:fld id="{107EE151-E711-480E-B3BD-75C8A92290B4}" type="slidenum">
               <a:rPr lang="zh-CN" altLang="en-US" smtClean="0"/>
               <a:t>‹#›</a:t>
             </a:fld>
@@ -723,7 +723,7 @@
     </p:spTree>
     <p:extLst>
       <p:ext uri="{BB962C8B-B14F-4D97-AF65-F5344CB8AC3E}">
-        <p14:creationId xmlns:p14="http://schemas.microsoft.com/office/powerpoint/2010/main" val="1741104302"/>
+        <p14:creationId xmlns:p14="http://schemas.microsoft.com/office/powerpoint/2010/main" val="4207768928"/>
       </p:ext>
     </p:extLst>
   </p:cSld>
@@ -755,7 +755,7 @@
           <p:cNvPr id="2" name="标题 1">
             <a:extLst>
               <a:ext uri="{FF2B5EF4-FFF2-40B4-BE49-F238E27FC236}">
-                <a16:creationId xmlns:a16="http://schemas.microsoft.com/office/drawing/2014/main" id="{46E89C7A-A5BB-232B-30BC-D79A536D6D19}"/>
+                <a16:creationId xmlns:a16="http://schemas.microsoft.com/office/drawing/2014/main" id="{FE81A348-75FA-AAD0-2B81-484BEEADC726}"/>
               </a:ext>
             </a:extLst>
           </p:cNvPr>
@@ -783,7 +783,7 @@
           <p:cNvPr id="3" name="内容占位符 2">
             <a:extLst>
               <a:ext uri="{FF2B5EF4-FFF2-40B4-BE49-F238E27FC236}">
-                <a16:creationId xmlns:a16="http://schemas.microsoft.com/office/drawing/2014/main" id="{53478157-5C8B-7D99-49ED-713BBE624CC4}"/>
+                <a16:creationId xmlns:a16="http://schemas.microsoft.com/office/drawing/2014/main" id="{84FB48BD-B16F-456A-148E-48323DAB0648}"/>
               </a:ext>
             </a:extLst>
           </p:cNvPr>
@@ -840,7 +840,7 @@
           <p:cNvPr id="4" name="日期占位符 3">
             <a:extLst>
               <a:ext uri="{FF2B5EF4-FFF2-40B4-BE49-F238E27FC236}">
-                <a16:creationId xmlns:a16="http://schemas.microsoft.com/office/drawing/2014/main" id="{808556A4-837F-F354-C613-33D280A1B1AE}"/>
+                <a16:creationId xmlns:a16="http://schemas.microsoft.com/office/drawing/2014/main" id="{AAD7D902-F7CC-8A3A-F116-032D0CD1BF14}"/>
               </a:ext>
             </a:extLst>
           </p:cNvPr>
@@ -856,7 +856,7 @@
           <a:bodyPr/>
           <a:lstStyle/>
           <a:p>
-            <a:fld id="{EA8FE8B1-C6BF-4657-9D77-F8C74B43519F}" type="datetimeFigureOut">
+            <a:fld id="{3E66563F-FDAF-4F26-8E0B-86FA26ECA014}" type="datetimeFigureOut">
               <a:rPr lang="zh-CN" altLang="en-US" smtClean="0"/>
               <a:t>2024/3/10</a:t>
             </a:fld>
@@ -869,7 +869,7 @@
           <p:cNvPr id="5" name="页脚占位符 4">
             <a:extLst>
               <a:ext uri="{FF2B5EF4-FFF2-40B4-BE49-F238E27FC236}">
-                <a16:creationId xmlns:a16="http://schemas.microsoft.com/office/drawing/2014/main" id="{2F34045A-97FF-F0F6-99D3-4E4FD8F05AD0}"/>
+                <a16:creationId xmlns:a16="http://schemas.microsoft.com/office/drawing/2014/main" id="{CE0123E8-3C43-493A-BB3D-BBFCA28EDD33}"/>
               </a:ext>
             </a:extLst>
           </p:cNvPr>
@@ -894,7 +894,7 @@
           <p:cNvPr id="6" name="灯片编号占位符 5">
             <a:extLst>
               <a:ext uri="{FF2B5EF4-FFF2-40B4-BE49-F238E27FC236}">
-                <a16:creationId xmlns:a16="http://schemas.microsoft.com/office/drawing/2014/main" id="{03244919-270B-5E2E-43CF-84D4481F8B36}"/>
+                <a16:creationId xmlns:a16="http://schemas.microsoft.com/office/drawing/2014/main" id="{B1512F84-32B5-D9EF-5894-77F022457459}"/>
               </a:ext>
             </a:extLst>
           </p:cNvPr>
@@ -910,7 +910,7 @@
           <a:bodyPr/>
           <a:lstStyle/>
           <a:p>
-            <a:fld id="{76197B81-2137-453D-AD4A-81B0A1B3C2B8}" type="slidenum">
+            <a:fld id="{107EE151-E711-480E-B3BD-75C8A92290B4}" type="slidenum">
               <a:rPr lang="zh-CN" altLang="en-US" smtClean="0"/>
               <a:t>‹#›</a:t>
             </a:fld>
@@ -921,7 +921,7 @@
     </p:spTree>
     <p:extLst>
       <p:ext uri="{BB962C8B-B14F-4D97-AF65-F5344CB8AC3E}">
-        <p14:creationId xmlns:p14="http://schemas.microsoft.com/office/powerpoint/2010/main" val="211194742"/>
+        <p14:creationId xmlns:p14="http://schemas.microsoft.com/office/powerpoint/2010/main" val="313279037"/>
       </p:ext>
     </p:extLst>
   </p:cSld>
@@ -953,7 +953,7 @@
           <p:cNvPr id="2" name="标题 1">
             <a:extLst>
               <a:ext uri="{FF2B5EF4-FFF2-40B4-BE49-F238E27FC236}">
-                <a16:creationId xmlns:a16="http://schemas.microsoft.com/office/drawing/2014/main" id="{2DF15FBE-FF26-1D19-3C19-8EB707EC7942}"/>
+                <a16:creationId xmlns:a16="http://schemas.microsoft.com/office/drawing/2014/main" id="{DCA9AED5-16E8-523A-E36E-3478D498CB66}"/>
               </a:ext>
             </a:extLst>
           </p:cNvPr>
@@ -990,7 +990,7 @@
           <p:cNvPr id="3" name="文本占位符 2">
             <a:extLst>
               <a:ext uri="{FF2B5EF4-FFF2-40B4-BE49-F238E27FC236}">
-                <a16:creationId xmlns:a16="http://schemas.microsoft.com/office/drawing/2014/main" id="{CFC1C01E-C7EB-4D8B-E588-A29624ECFEAB}"/>
+                <a16:creationId xmlns:a16="http://schemas.microsoft.com/office/drawing/2014/main" id="{FE794D5E-575F-55DD-2B67-20A1B56C19D0}"/>
               </a:ext>
             </a:extLst>
           </p:cNvPr>
@@ -1115,7 +1115,7 @@
           <p:cNvPr id="4" name="日期占位符 3">
             <a:extLst>
               <a:ext uri="{FF2B5EF4-FFF2-40B4-BE49-F238E27FC236}">
-                <a16:creationId xmlns:a16="http://schemas.microsoft.com/office/drawing/2014/main" id="{F4EF9BC5-C3F5-0564-6C30-05EB9EB607C4}"/>
+                <a16:creationId xmlns:a16="http://schemas.microsoft.com/office/drawing/2014/main" id="{2B72EF4B-7F6F-30A8-03A5-3B79112159A3}"/>
               </a:ext>
             </a:extLst>
           </p:cNvPr>
@@ -1131,7 +1131,7 @@
           <a:bodyPr/>
           <a:lstStyle/>
           <a:p>
-            <a:fld id="{EA8FE8B1-C6BF-4657-9D77-F8C74B43519F}" type="datetimeFigureOut">
+            <a:fld id="{3E66563F-FDAF-4F26-8E0B-86FA26ECA014}" type="datetimeFigureOut">
               <a:rPr lang="zh-CN" altLang="en-US" smtClean="0"/>
               <a:t>2024/3/10</a:t>
             </a:fld>
@@ -1144,7 +1144,7 @@
           <p:cNvPr id="5" name="页脚占位符 4">
             <a:extLst>
               <a:ext uri="{FF2B5EF4-FFF2-40B4-BE49-F238E27FC236}">
-                <a16:creationId xmlns:a16="http://schemas.microsoft.com/office/drawing/2014/main" id="{D714E610-3C42-9A43-DBA3-BEF8C46B886E}"/>
+                <a16:creationId xmlns:a16="http://schemas.microsoft.com/office/drawing/2014/main" id="{D025527B-08BD-A3C9-D77B-8E0EB01D511E}"/>
               </a:ext>
             </a:extLst>
           </p:cNvPr>
@@ -1169,7 +1169,7 @@
           <p:cNvPr id="6" name="灯片编号占位符 5">
             <a:extLst>
               <a:ext uri="{FF2B5EF4-FFF2-40B4-BE49-F238E27FC236}">
-                <a16:creationId xmlns:a16="http://schemas.microsoft.com/office/drawing/2014/main" id="{1BCD5936-3AB8-16A6-ED7D-5E72473A8AD8}"/>
+                <a16:creationId xmlns:a16="http://schemas.microsoft.com/office/drawing/2014/main" id="{DAF0A6EE-322A-C1B9-228E-C96DF2A89308}"/>
               </a:ext>
             </a:extLst>
           </p:cNvPr>
@@ -1185,7 +1185,7 @@
           <a:bodyPr/>
           <a:lstStyle/>
           <a:p>
-            <a:fld id="{76197B81-2137-453D-AD4A-81B0A1B3C2B8}" type="slidenum">
+            <a:fld id="{107EE151-E711-480E-B3BD-75C8A92290B4}" type="slidenum">
               <a:rPr lang="zh-CN" altLang="en-US" smtClean="0"/>
               <a:t>‹#›</a:t>
             </a:fld>
@@ -1196,7 +1196,7 @@
     </p:spTree>
     <p:extLst>
       <p:ext uri="{BB962C8B-B14F-4D97-AF65-F5344CB8AC3E}">
-        <p14:creationId xmlns:p14="http://schemas.microsoft.com/office/powerpoint/2010/main" val="4199680187"/>
+        <p14:creationId xmlns:p14="http://schemas.microsoft.com/office/powerpoint/2010/main" val="2195632166"/>
       </p:ext>
     </p:extLst>
   </p:cSld>
@@ -1228,7 +1228,7 @@
           <p:cNvPr id="2" name="标题 1">
             <a:extLst>
               <a:ext uri="{FF2B5EF4-FFF2-40B4-BE49-F238E27FC236}">
-                <a16:creationId xmlns:a16="http://schemas.microsoft.com/office/drawing/2014/main" id="{1E1EC3F6-693C-CE18-B696-08122186E547}"/>
+                <a16:creationId xmlns:a16="http://schemas.microsoft.com/office/drawing/2014/main" id="{BC88386A-2F4F-F7B1-C6E9-195F4264E0FA}"/>
               </a:ext>
             </a:extLst>
           </p:cNvPr>
@@ -1256,7 +1256,7 @@
           <p:cNvPr id="3" name="内容占位符 2">
             <a:extLst>
               <a:ext uri="{FF2B5EF4-FFF2-40B4-BE49-F238E27FC236}">
-                <a16:creationId xmlns:a16="http://schemas.microsoft.com/office/drawing/2014/main" id="{47FB80B3-D539-65EF-372C-2BED0CF3552C}"/>
+                <a16:creationId xmlns:a16="http://schemas.microsoft.com/office/drawing/2014/main" id="{21DF51F4-D49F-1FCC-3FCA-67F62AC9C1AD}"/>
               </a:ext>
             </a:extLst>
           </p:cNvPr>
@@ -1318,7 +1318,7 @@
           <p:cNvPr id="4" name="内容占位符 3">
             <a:extLst>
               <a:ext uri="{FF2B5EF4-FFF2-40B4-BE49-F238E27FC236}">
-                <a16:creationId xmlns:a16="http://schemas.microsoft.com/office/drawing/2014/main" id="{E3A62817-DCBC-AF2C-29FA-6C50ACA1787D}"/>
+                <a16:creationId xmlns:a16="http://schemas.microsoft.com/office/drawing/2014/main" id="{51DA4EDE-68CC-9378-6593-3EFE5BECB3C4}"/>
               </a:ext>
             </a:extLst>
           </p:cNvPr>
@@ -1380,7 +1380,7 @@
           <p:cNvPr id="5" name="日期占位符 4">
             <a:extLst>
               <a:ext uri="{FF2B5EF4-FFF2-40B4-BE49-F238E27FC236}">
-                <a16:creationId xmlns:a16="http://schemas.microsoft.com/office/drawing/2014/main" id="{19FF36B7-501D-CBAE-E038-2F4F16F15FC7}"/>
+                <a16:creationId xmlns:a16="http://schemas.microsoft.com/office/drawing/2014/main" id="{E0B0D811-B3A4-0565-D6A8-B6642876031B}"/>
               </a:ext>
             </a:extLst>
           </p:cNvPr>
@@ -1396,7 +1396,7 @@
           <a:bodyPr/>
           <a:lstStyle/>
           <a:p>
-            <a:fld id="{EA8FE8B1-C6BF-4657-9D77-F8C74B43519F}" type="datetimeFigureOut">
+            <a:fld id="{3E66563F-FDAF-4F26-8E0B-86FA26ECA014}" type="datetimeFigureOut">
               <a:rPr lang="zh-CN" altLang="en-US" smtClean="0"/>
               <a:t>2024/3/10</a:t>
             </a:fld>
@@ -1409,7 +1409,7 @@
           <p:cNvPr id="6" name="页脚占位符 5">
             <a:extLst>
               <a:ext uri="{FF2B5EF4-FFF2-40B4-BE49-F238E27FC236}">
-                <a16:creationId xmlns:a16="http://schemas.microsoft.com/office/drawing/2014/main" id="{FBA6B0AF-7CB0-D7F4-CF24-B98146FEB509}"/>
+                <a16:creationId xmlns:a16="http://schemas.microsoft.com/office/drawing/2014/main" id="{2A95649E-508A-90D4-9F68-9C3DD3C4D806}"/>
               </a:ext>
             </a:extLst>
           </p:cNvPr>
@@ -1434,7 +1434,7 @@
           <p:cNvPr id="7" name="灯片编号占位符 6">
             <a:extLst>
               <a:ext uri="{FF2B5EF4-FFF2-40B4-BE49-F238E27FC236}">
-                <a16:creationId xmlns:a16="http://schemas.microsoft.com/office/drawing/2014/main" id="{DB9DD4A6-A4A7-7A94-C773-98B29C8BFC8C}"/>
+                <a16:creationId xmlns:a16="http://schemas.microsoft.com/office/drawing/2014/main" id="{C1A70BB8-853C-016F-DA2B-ABEB5340C886}"/>
               </a:ext>
             </a:extLst>
           </p:cNvPr>
@@ -1450,7 +1450,7 @@
           <a:bodyPr/>
           <a:lstStyle/>
           <a:p>
-            <a:fld id="{76197B81-2137-453D-AD4A-81B0A1B3C2B8}" type="slidenum">
+            <a:fld id="{107EE151-E711-480E-B3BD-75C8A92290B4}" type="slidenum">
               <a:rPr lang="zh-CN" altLang="en-US" smtClean="0"/>
               <a:t>‹#›</a:t>
             </a:fld>
@@ -1461,7 +1461,7 @@
     </p:spTree>
     <p:extLst>
       <p:ext uri="{BB962C8B-B14F-4D97-AF65-F5344CB8AC3E}">
-        <p14:creationId xmlns:p14="http://schemas.microsoft.com/office/powerpoint/2010/main" val="3331440517"/>
+        <p14:creationId xmlns:p14="http://schemas.microsoft.com/office/powerpoint/2010/main" val="489780238"/>
       </p:ext>
     </p:extLst>
   </p:cSld>
@@ -1493,7 +1493,7 @@
           <p:cNvPr id="2" name="标题 1">
             <a:extLst>
               <a:ext uri="{FF2B5EF4-FFF2-40B4-BE49-F238E27FC236}">
-                <a16:creationId xmlns:a16="http://schemas.microsoft.com/office/drawing/2014/main" id="{1E34D757-1AD9-D627-E691-043922319285}"/>
+                <a16:creationId xmlns:a16="http://schemas.microsoft.com/office/drawing/2014/main" id="{4733C500-EE5F-5155-7C3B-5F38715B8F2B}"/>
               </a:ext>
             </a:extLst>
           </p:cNvPr>
@@ -1526,7 +1526,7 @@
           <p:cNvPr id="3" name="文本占位符 2">
             <a:extLst>
               <a:ext uri="{FF2B5EF4-FFF2-40B4-BE49-F238E27FC236}">
-                <a16:creationId xmlns:a16="http://schemas.microsoft.com/office/drawing/2014/main" id="{11F77CC4-C16F-AE2F-9786-06423F324E98}"/>
+                <a16:creationId xmlns:a16="http://schemas.microsoft.com/office/drawing/2014/main" id="{031F6173-F54C-3FD9-4C6E-0C1ADA847FFF}"/>
               </a:ext>
             </a:extLst>
           </p:cNvPr>
@@ -1597,7 +1597,7 @@
           <p:cNvPr id="4" name="内容占位符 3">
             <a:extLst>
               <a:ext uri="{FF2B5EF4-FFF2-40B4-BE49-F238E27FC236}">
-                <a16:creationId xmlns:a16="http://schemas.microsoft.com/office/drawing/2014/main" id="{5A281824-0288-4368-3105-94DED616F9BB}"/>
+                <a16:creationId xmlns:a16="http://schemas.microsoft.com/office/drawing/2014/main" id="{48539341-A9B9-7C36-541C-362D7851DD21}"/>
               </a:ext>
             </a:extLst>
           </p:cNvPr>
@@ -1659,7 +1659,7 @@
           <p:cNvPr id="5" name="文本占位符 4">
             <a:extLst>
               <a:ext uri="{FF2B5EF4-FFF2-40B4-BE49-F238E27FC236}">
-                <a16:creationId xmlns:a16="http://schemas.microsoft.com/office/drawing/2014/main" id="{3A5EC443-099B-B4ED-FB34-561B7970E69F}"/>
+                <a16:creationId xmlns:a16="http://schemas.microsoft.com/office/drawing/2014/main" id="{746EC4A0-7DA1-9AE0-8D8C-766638CB6BF6}"/>
               </a:ext>
             </a:extLst>
           </p:cNvPr>
@@ -1730,7 +1730,7 @@
           <p:cNvPr id="6" name="内容占位符 5">
             <a:extLst>
               <a:ext uri="{FF2B5EF4-FFF2-40B4-BE49-F238E27FC236}">
-                <a16:creationId xmlns:a16="http://schemas.microsoft.com/office/drawing/2014/main" id="{564DE915-4A5D-6477-F597-49804CB141BB}"/>
+                <a16:creationId xmlns:a16="http://schemas.microsoft.com/office/drawing/2014/main" id="{32DC4B37-CBA8-2D24-7032-350F85FA6AF6}"/>
               </a:ext>
             </a:extLst>
           </p:cNvPr>
@@ -1792,7 +1792,7 @@
           <p:cNvPr id="7" name="日期占位符 6">
             <a:extLst>
               <a:ext uri="{FF2B5EF4-FFF2-40B4-BE49-F238E27FC236}">
-                <a16:creationId xmlns:a16="http://schemas.microsoft.com/office/drawing/2014/main" id="{E10EBFB3-71F0-761D-96E7-D0FFFE2C58AA}"/>
+                <a16:creationId xmlns:a16="http://schemas.microsoft.com/office/drawing/2014/main" id="{ED60ABE4-C30D-0977-953D-150CD70DB30A}"/>
               </a:ext>
             </a:extLst>
           </p:cNvPr>
@@ -1808,7 +1808,7 @@
           <a:bodyPr/>
           <a:lstStyle/>
           <a:p>
-            <a:fld id="{EA8FE8B1-C6BF-4657-9D77-F8C74B43519F}" type="datetimeFigureOut">
+            <a:fld id="{3E66563F-FDAF-4F26-8E0B-86FA26ECA014}" type="datetimeFigureOut">
               <a:rPr lang="zh-CN" altLang="en-US" smtClean="0"/>
               <a:t>2024/3/10</a:t>
             </a:fld>
@@ -1821,7 +1821,7 @@
           <p:cNvPr id="8" name="页脚占位符 7">
             <a:extLst>
               <a:ext uri="{FF2B5EF4-FFF2-40B4-BE49-F238E27FC236}">
-                <a16:creationId xmlns:a16="http://schemas.microsoft.com/office/drawing/2014/main" id="{4E502122-2785-65E6-8527-E05A97E32879}"/>
+                <a16:creationId xmlns:a16="http://schemas.microsoft.com/office/drawing/2014/main" id="{9987232A-C3DF-82BF-3145-08FFDDDEFF4E}"/>
               </a:ext>
             </a:extLst>
           </p:cNvPr>
@@ -1846,7 +1846,7 @@
           <p:cNvPr id="9" name="灯片编号占位符 8">
             <a:extLst>
               <a:ext uri="{FF2B5EF4-FFF2-40B4-BE49-F238E27FC236}">
-                <a16:creationId xmlns:a16="http://schemas.microsoft.com/office/drawing/2014/main" id="{FE1304F1-766A-68A2-62B1-75746A7B0800}"/>
+                <a16:creationId xmlns:a16="http://schemas.microsoft.com/office/drawing/2014/main" id="{DEDE242D-3976-74ED-9195-A9797027B13D}"/>
               </a:ext>
             </a:extLst>
           </p:cNvPr>
@@ -1862,7 +1862,7 @@
           <a:bodyPr/>
           <a:lstStyle/>
           <a:p>
-            <a:fld id="{76197B81-2137-453D-AD4A-81B0A1B3C2B8}" type="slidenum">
+            <a:fld id="{107EE151-E711-480E-B3BD-75C8A92290B4}" type="slidenum">
               <a:rPr lang="zh-CN" altLang="en-US" smtClean="0"/>
               <a:t>‹#›</a:t>
             </a:fld>
@@ -1873,7 +1873,7 @@
     </p:spTree>
     <p:extLst>
       <p:ext uri="{BB962C8B-B14F-4D97-AF65-F5344CB8AC3E}">
-        <p14:creationId xmlns:p14="http://schemas.microsoft.com/office/powerpoint/2010/main" val="3707709865"/>
+        <p14:creationId xmlns:p14="http://schemas.microsoft.com/office/powerpoint/2010/main" val="144993899"/>
       </p:ext>
     </p:extLst>
   </p:cSld>
@@ -1905,7 +1905,7 @@
           <p:cNvPr id="2" name="标题 1">
             <a:extLst>
               <a:ext uri="{FF2B5EF4-FFF2-40B4-BE49-F238E27FC236}">
-                <a16:creationId xmlns:a16="http://schemas.microsoft.com/office/drawing/2014/main" id="{035AF669-E93D-F80D-4517-12B4F55F6BC0}"/>
+                <a16:creationId xmlns:a16="http://schemas.microsoft.com/office/drawing/2014/main" id="{0F84F442-A084-3429-5B9E-9F4676E91A2A}"/>
               </a:ext>
             </a:extLst>
           </p:cNvPr>
@@ -1933,7 +1933,7 @@
           <p:cNvPr id="3" name="日期占位符 2">
             <a:extLst>
               <a:ext uri="{FF2B5EF4-FFF2-40B4-BE49-F238E27FC236}">
-                <a16:creationId xmlns:a16="http://schemas.microsoft.com/office/drawing/2014/main" id="{47ADBB83-7005-5C15-53EE-21B2A32A6B2C}"/>
+                <a16:creationId xmlns:a16="http://schemas.microsoft.com/office/drawing/2014/main" id="{EC42EB03-7D8F-792B-1C66-AFCB3FB9394B}"/>
               </a:ext>
             </a:extLst>
           </p:cNvPr>
@@ -1949,7 +1949,7 @@
           <a:bodyPr/>
           <a:lstStyle/>
           <a:p>
-            <a:fld id="{EA8FE8B1-C6BF-4657-9D77-F8C74B43519F}" type="datetimeFigureOut">
+            <a:fld id="{3E66563F-FDAF-4F26-8E0B-86FA26ECA014}" type="datetimeFigureOut">
               <a:rPr lang="zh-CN" altLang="en-US" smtClean="0"/>
               <a:t>2024/3/10</a:t>
             </a:fld>
@@ -1962,7 +1962,7 @@
           <p:cNvPr id="4" name="页脚占位符 3">
             <a:extLst>
               <a:ext uri="{FF2B5EF4-FFF2-40B4-BE49-F238E27FC236}">
-                <a16:creationId xmlns:a16="http://schemas.microsoft.com/office/drawing/2014/main" id="{F76D78ED-FD18-ACDD-07F1-761F89DD3EFD}"/>
+                <a16:creationId xmlns:a16="http://schemas.microsoft.com/office/drawing/2014/main" id="{5B96BD2D-DB7C-D7E4-784B-1D9801641E17}"/>
               </a:ext>
             </a:extLst>
           </p:cNvPr>
@@ -1987,7 +1987,7 @@
           <p:cNvPr id="5" name="灯片编号占位符 4">
             <a:extLst>
               <a:ext uri="{FF2B5EF4-FFF2-40B4-BE49-F238E27FC236}">
-                <a16:creationId xmlns:a16="http://schemas.microsoft.com/office/drawing/2014/main" id="{9DFE2480-1045-19B4-FB9F-56C773836F63}"/>
+                <a16:creationId xmlns:a16="http://schemas.microsoft.com/office/drawing/2014/main" id="{1EB4494D-0A7C-EF99-2442-13B118443E81}"/>
               </a:ext>
             </a:extLst>
           </p:cNvPr>
@@ -2003,7 +2003,7 @@
           <a:bodyPr/>
           <a:lstStyle/>
           <a:p>
-            <a:fld id="{76197B81-2137-453D-AD4A-81B0A1B3C2B8}" type="slidenum">
+            <a:fld id="{107EE151-E711-480E-B3BD-75C8A92290B4}" type="slidenum">
               <a:rPr lang="zh-CN" altLang="en-US" smtClean="0"/>
               <a:t>‹#›</a:t>
             </a:fld>
@@ -2014,7 +2014,7 @@
     </p:spTree>
     <p:extLst>
       <p:ext uri="{BB962C8B-B14F-4D97-AF65-F5344CB8AC3E}">
-        <p14:creationId xmlns:p14="http://schemas.microsoft.com/office/powerpoint/2010/main" val="1897018971"/>
+        <p14:creationId xmlns:p14="http://schemas.microsoft.com/office/powerpoint/2010/main" val="1107505291"/>
       </p:ext>
     </p:extLst>
   </p:cSld>
@@ -2046,7 +2046,7 @@
           <p:cNvPr id="2" name="日期占位符 1">
             <a:extLst>
               <a:ext uri="{FF2B5EF4-FFF2-40B4-BE49-F238E27FC236}">
-                <a16:creationId xmlns:a16="http://schemas.microsoft.com/office/drawing/2014/main" id="{D386256F-1D78-968A-8877-04F6485053CD}"/>
+                <a16:creationId xmlns:a16="http://schemas.microsoft.com/office/drawing/2014/main" id="{D082E5D4-CBAC-8422-281A-9DACC02F4D99}"/>
               </a:ext>
             </a:extLst>
           </p:cNvPr>
@@ -2062,7 +2062,7 @@
           <a:bodyPr/>
           <a:lstStyle/>
           <a:p>
-            <a:fld id="{EA8FE8B1-C6BF-4657-9D77-F8C74B43519F}" type="datetimeFigureOut">
+            <a:fld id="{3E66563F-FDAF-4F26-8E0B-86FA26ECA014}" type="datetimeFigureOut">
               <a:rPr lang="zh-CN" altLang="en-US" smtClean="0"/>
               <a:t>2024/3/10</a:t>
             </a:fld>
@@ -2075,7 +2075,7 @@
           <p:cNvPr id="3" name="页脚占位符 2">
             <a:extLst>
               <a:ext uri="{FF2B5EF4-FFF2-40B4-BE49-F238E27FC236}">
-                <a16:creationId xmlns:a16="http://schemas.microsoft.com/office/drawing/2014/main" id="{5E63672A-EDCB-5850-3020-3036FA44090E}"/>
+                <a16:creationId xmlns:a16="http://schemas.microsoft.com/office/drawing/2014/main" id="{FFF22928-548E-C42F-A77F-C8A4B75FF4F6}"/>
               </a:ext>
             </a:extLst>
           </p:cNvPr>
@@ -2100,7 +2100,7 @@
           <p:cNvPr id="4" name="灯片编号占位符 3">
             <a:extLst>
               <a:ext uri="{FF2B5EF4-FFF2-40B4-BE49-F238E27FC236}">
-                <a16:creationId xmlns:a16="http://schemas.microsoft.com/office/drawing/2014/main" id="{D0151371-0931-E1D4-CA6A-B4B22A97C7BE}"/>
+                <a16:creationId xmlns:a16="http://schemas.microsoft.com/office/drawing/2014/main" id="{D5C743E0-7B6F-B4E5-417E-B09975D08280}"/>
               </a:ext>
             </a:extLst>
           </p:cNvPr>
@@ -2116,7 +2116,7 @@
           <a:bodyPr/>
           <a:lstStyle/>
           <a:p>
-            <a:fld id="{76197B81-2137-453D-AD4A-81B0A1B3C2B8}" type="slidenum">
+            <a:fld id="{107EE151-E711-480E-B3BD-75C8A92290B4}" type="slidenum">
               <a:rPr lang="zh-CN" altLang="en-US" smtClean="0"/>
               <a:t>‹#›</a:t>
             </a:fld>
@@ -2127,7 +2127,7 @@
     </p:spTree>
     <p:extLst>
       <p:ext uri="{BB962C8B-B14F-4D97-AF65-F5344CB8AC3E}">
-        <p14:creationId xmlns:p14="http://schemas.microsoft.com/office/powerpoint/2010/main" val="3655626735"/>
+        <p14:creationId xmlns:p14="http://schemas.microsoft.com/office/powerpoint/2010/main" val="1572359626"/>
       </p:ext>
     </p:extLst>
   </p:cSld>
@@ -2159,7 +2159,7 @@
           <p:cNvPr id="2" name="标题 1">
             <a:extLst>
               <a:ext uri="{FF2B5EF4-FFF2-40B4-BE49-F238E27FC236}">
-                <a16:creationId xmlns:a16="http://schemas.microsoft.com/office/drawing/2014/main" id="{4B69E429-64C9-50DD-17AE-4F9B1473F446}"/>
+                <a16:creationId xmlns:a16="http://schemas.microsoft.com/office/drawing/2014/main" id="{F0DD5B8C-431B-4413-E60A-E26DCE942A43}"/>
               </a:ext>
             </a:extLst>
           </p:cNvPr>
@@ -2196,7 +2196,7 @@
           <p:cNvPr id="3" name="内容占位符 2">
             <a:extLst>
               <a:ext uri="{FF2B5EF4-FFF2-40B4-BE49-F238E27FC236}">
-                <a16:creationId xmlns:a16="http://schemas.microsoft.com/office/drawing/2014/main" id="{C1DA8BE1-24EB-F35C-1575-CDEBEDEE79E7}"/>
+                <a16:creationId xmlns:a16="http://schemas.microsoft.com/office/drawing/2014/main" id="{09E7D350-7BC2-ABE3-2354-4979C6D86B09}"/>
               </a:ext>
             </a:extLst>
           </p:cNvPr>
@@ -2286,7 +2286,7 @@
           <p:cNvPr id="4" name="文本占位符 3">
             <a:extLst>
               <a:ext uri="{FF2B5EF4-FFF2-40B4-BE49-F238E27FC236}">
-                <a16:creationId xmlns:a16="http://schemas.microsoft.com/office/drawing/2014/main" id="{A69B3925-0B48-6E79-A73C-1935F7707EB4}"/>
+                <a16:creationId xmlns:a16="http://schemas.microsoft.com/office/drawing/2014/main" id="{5B600359-3BD3-DA63-48D0-CE5E2A2E6FFE}"/>
               </a:ext>
             </a:extLst>
           </p:cNvPr>
@@ -2357,7 +2357,7 @@
           <p:cNvPr id="5" name="日期占位符 4">
             <a:extLst>
               <a:ext uri="{FF2B5EF4-FFF2-40B4-BE49-F238E27FC236}">
-                <a16:creationId xmlns:a16="http://schemas.microsoft.com/office/drawing/2014/main" id="{BA48A50B-8A5B-7D90-F59F-340F2BE9E193}"/>
+                <a16:creationId xmlns:a16="http://schemas.microsoft.com/office/drawing/2014/main" id="{098E0E78-72BE-5C47-3668-36D9EE619F6E}"/>
               </a:ext>
             </a:extLst>
           </p:cNvPr>
@@ -2373,7 +2373,7 @@
           <a:bodyPr/>
           <a:lstStyle/>
           <a:p>
-            <a:fld id="{EA8FE8B1-C6BF-4657-9D77-F8C74B43519F}" type="datetimeFigureOut">
+            <a:fld id="{3E66563F-FDAF-4F26-8E0B-86FA26ECA014}" type="datetimeFigureOut">
               <a:rPr lang="zh-CN" altLang="en-US" smtClean="0"/>
               <a:t>2024/3/10</a:t>
             </a:fld>
@@ -2386,7 +2386,7 @@
           <p:cNvPr id="6" name="页脚占位符 5">
             <a:extLst>
               <a:ext uri="{FF2B5EF4-FFF2-40B4-BE49-F238E27FC236}">
-                <a16:creationId xmlns:a16="http://schemas.microsoft.com/office/drawing/2014/main" id="{7EFD0C94-6785-E7F3-9130-48FD4349D1B7}"/>
+                <a16:creationId xmlns:a16="http://schemas.microsoft.com/office/drawing/2014/main" id="{CADA414D-80FA-C47C-2FD4-C2AE26E8ED4F}"/>
               </a:ext>
             </a:extLst>
           </p:cNvPr>
@@ -2411,7 +2411,7 @@
           <p:cNvPr id="7" name="灯片编号占位符 6">
             <a:extLst>
               <a:ext uri="{FF2B5EF4-FFF2-40B4-BE49-F238E27FC236}">
-                <a16:creationId xmlns:a16="http://schemas.microsoft.com/office/drawing/2014/main" id="{80D57C38-5F54-CF0A-4703-6755968704B7}"/>
+                <a16:creationId xmlns:a16="http://schemas.microsoft.com/office/drawing/2014/main" id="{C784082F-FA97-C452-6259-7EF68C5123D4}"/>
               </a:ext>
             </a:extLst>
           </p:cNvPr>
@@ -2427,7 +2427,7 @@
           <a:bodyPr/>
           <a:lstStyle/>
           <a:p>
-            <a:fld id="{76197B81-2137-453D-AD4A-81B0A1B3C2B8}" type="slidenum">
+            <a:fld id="{107EE151-E711-480E-B3BD-75C8A92290B4}" type="slidenum">
               <a:rPr lang="zh-CN" altLang="en-US" smtClean="0"/>
               <a:t>‹#›</a:t>
             </a:fld>
@@ -2438,7 +2438,7 @@
     </p:spTree>
     <p:extLst>
       <p:ext uri="{BB962C8B-B14F-4D97-AF65-F5344CB8AC3E}">
-        <p14:creationId xmlns:p14="http://schemas.microsoft.com/office/powerpoint/2010/main" val="2513382358"/>
+        <p14:creationId xmlns:p14="http://schemas.microsoft.com/office/powerpoint/2010/main" val="2624206158"/>
       </p:ext>
     </p:extLst>
   </p:cSld>
@@ -2470,7 +2470,7 @@
           <p:cNvPr id="2" name="标题 1">
             <a:extLst>
               <a:ext uri="{FF2B5EF4-FFF2-40B4-BE49-F238E27FC236}">
-                <a16:creationId xmlns:a16="http://schemas.microsoft.com/office/drawing/2014/main" id="{6692978B-F91A-CBD6-78B0-61AFB2333BE5}"/>
+                <a16:creationId xmlns:a16="http://schemas.microsoft.com/office/drawing/2014/main" id="{F45FF7C7-2586-AFBE-6AC8-65A173A6BD41}"/>
               </a:ext>
             </a:extLst>
           </p:cNvPr>
@@ -2507,7 +2507,7 @@
           <p:cNvPr id="3" name="图片占位符 2">
             <a:extLst>
               <a:ext uri="{FF2B5EF4-FFF2-40B4-BE49-F238E27FC236}">
-                <a16:creationId xmlns:a16="http://schemas.microsoft.com/office/drawing/2014/main" id="{641EF7BA-38CB-BFC6-68FA-147FD5439F10}"/>
+                <a16:creationId xmlns:a16="http://schemas.microsoft.com/office/drawing/2014/main" id="{F077F7C2-4F50-1B00-ABDC-36415C4CF501}"/>
               </a:ext>
             </a:extLst>
           </p:cNvPr>
@@ -2574,7 +2574,7 @@
           <p:cNvPr id="4" name="文本占位符 3">
             <a:extLst>
               <a:ext uri="{FF2B5EF4-FFF2-40B4-BE49-F238E27FC236}">
-                <a16:creationId xmlns:a16="http://schemas.microsoft.com/office/drawing/2014/main" id="{F75293FD-8A5E-3FF8-95DE-A080A56A81FF}"/>
+                <a16:creationId xmlns:a16="http://schemas.microsoft.com/office/drawing/2014/main" id="{502499EC-CF84-FCBC-15CE-CE7B9445FFAE}"/>
               </a:ext>
             </a:extLst>
           </p:cNvPr>
@@ -2645,7 +2645,7 @@
           <p:cNvPr id="5" name="日期占位符 4">
             <a:extLst>
               <a:ext uri="{FF2B5EF4-FFF2-40B4-BE49-F238E27FC236}">
-                <a16:creationId xmlns:a16="http://schemas.microsoft.com/office/drawing/2014/main" id="{8B5E4379-E912-2037-CE44-F466A4612EE4}"/>
+                <a16:creationId xmlns:a16="http://schemas.microsoft.com/office/drawing/2014/main" id="{0FBB9EAD-A65F-3FFB-8ADE-D4D9999257E2}"/>
               </a:ext>
             </a:extLst>
           </p:cNvPr>
@@ -2661,7 +2661,7 @@
           <a:bodyPr/>
           <a:lstStyle/>
           <a:p>
-            <a:fld id="{EA8FE8B1-C6BF-4657-9D77-F8C74B43519F}" type="datetimeFigureOut">
+            <a:fld id="{3E66563F-FDAF-4F26-8E0B-86FA26ECA014}" type="datetimeFigureOut">
               <a:rPr lang="zh-CN" altLang="en-US" smtClean="0"/>
               <a:t>2024/3/10</a:t>
             </a:fld>
@@ -2674,7 +2674,7 @@
           <p:cNvPr id="6" name="页脚占位符 5">
             <a:extLst>
               <a:ext uri="{FF2B5EF4-FFF2-40B4-BE49-F238E27FC236}">
-                <a16:creationId xmlns:a16="http://schemas.microsoft.com/office/drawing/2014/main" id="{5C9BC420-EAEE-A6FB-E828-E1EB71B4DF84}"/>
+                <a16:creationId xmlns:a16="http://schemas.microsoft.com/office/drawing/2014/main" id="{A7FDA646-D612-5FE2-652B-5ADDA1D12B85}"/>
               </a:ext>
             </a:extLst>
           </p:cNvPr>
@@ -2699,7 +2699,7 @@
           <p:cNvPr id="7" name="灯片编号占位符 6">
             <a:extLst>
               <a:ext uri="{FF2B5EF4-FFF2-40B4-BE49-F238E27FC236}">
-                <a16:creationId xmlns:a16="http://schemas.microsoft.com/office/drawing/2014/main" id="{EE4866B6-D34D-6212-C964-7362CEBD4FE6}"/>
+                <a16:creationId xmlns:a16="http://schemas.microsoft.com/office/drawing/2014/main" id="{E2038230-3F4D-9F7E-FF5A-C03A93BE0776}"/>
               </a:ext>
             </a:extLst>
           </p:cNvPr>
@@ -2715,7 +2715,7 @@
           <a:bodyPr/>
           <a:lstStyle/>
           <a:p>
-            <a:fld id="{76197B81-2137-453D-AD4A-81B0A1B3C2B8}" type="slidenum">
+            <a:fld id="{107EE151-E711-480E-B3BD-75C8A92290B4}" type="slidenum">
               <a:rPr lang="zh-CN" altLang="en-US" smtClean="0"/>
               <a:t>‹#›</a:t>
             </a:fld>
@@ -2726,7 +2726,7 @@
     </p:spTree>
     <p:extLst>
       <p:ext uri="{BB962C8B-B14F-4D97-AF65-F5344CB8AC3E}">
-        <p14:creationId xmlns:p14="http://schemas.microsoft.com/office/powerpoint/2010/main" val="2110523089"/>
+        <p14:creationId xmlns:p14="http://schemas.microsoft.com/office/powerpoint/2010/main" val="1981903245"/>
       </p:ext>
     </p:extLst>
   </p:cSld>
@@ -2763,7 +2763,7 @@
           <p:cNvPr id="2" name="标题占位符 1">
             <a:extLst>
               <a:ext uri="{FF2B5EF4-FFF2-40B4-BE49-F238E27FC236}">
-                <a16:creationId xmlns:a16="http://schemas.microsoft.com/office/drawing/2014/main" id="{F1E41ED2-7CEF-2452-8C6D-77C6E9009FE9}"/>
+                <a16:creationId xmlns:a16="http://schemas.microsoft.com/office/drawing/2014/main" id="{0B4DF0B7-E541-E4B4-E8CE-984AEC7B711D}"/>
               </a:ext>
             </a:extLst>
           </p:cNvPr>
@@ -2801,7 +2801,7 @@
           <p:cNvPr id="3" name="文本占位符 2">
             <a:extLst>
               <a:ext uri="{FF2B5EF4-FFF2-40B4-BE49-F238E27FC236}">
-                <a16:creationId xmlns:a16="http://schemas.microsoft.com/office/drawing/2014/main" id="{7D1F8B58-1078-7248-73DC-CF4E878D0620}"/>
+                <a16:creationId xmlns:a16="http://schemas.microsoft.com/office/drawing/2014/main" id="{F25F94B8-CDCA-CD0D-D474-347F15E29349}"/>
               </a:ext>
             </a:extLst>
           </p:cNvPr>
@@ -2868,7 +2868,7 @@
           <p:cNvPr id="4" name="日期占位符 3">
             <a:extLst>
               <a:ext uri="{FF2B5EF4-FFF2-40B4-BE49-F238E27FC236}">
-                <a16:creationId xmlns:a16="http://schemas.microsoft.com/office/drawing/2014/main" id="{308F051C-38E9-C52A-B4ED-B3C64FB156B1}"/>
+                <a16:creationId xmlns:a16="http://schemas.microsoft.com/office/drawing/2014/main" id="{CFEAB7BA-7099-83F6-33C7-DAEB06C67330}"/>
               </a:ext>
             </a:extLst>
           </p:cNvPr>
@@ -2902,7 +2902,7 @@
             </a:lvl1pPr>
           </a:lstStyle>
           <a:p>
-            <a:fld id="{EA8FE8B1-C6BF-4657-9D77-F8C74B43519F}" type="datetimeFigureOut">
+            <a:fld id="{3E66563F-FDAF-4F26-8E0B-86FA26ECA014}" type="datetimeFigureOut">
               <a:rPr lang="zh-CN" altLang="en-US" smtClean="0"/>
               <a:t>2024/3/10</a:t>
             </a:fld>
@@ -2915,7 +2915,7 @@
           <p:cNvPr id="5" name="页脚占位符 4">
             <a:extLst>
               <a:ext uri="{FF2B5EF4-FFF2-40B4-BE49-F238E27FC236}">
-                <a16:creationId xmlns:a16="http://schemas.microsoft.com/office/drawing/2014/main" id="{BAA6B4F6-CBE5-C947-1CB6-E5E32BC26A5C}"/>
+                <a16:creationId xmlns:a16="http://schemas.microsoft.com/office/drawing/2014/main" id="{0F2A6F2E-51FA-A1E2-7248-4DF671128141}"/>
               </a:ext>
             </a:extLst>
           </p:cNvPr>
@@ -2958,7 +2958,7 @@
           <p:cNvPr id="6" name="灯片编号占位符 5">
             <a:extLst>
               <a:ext uri="{FF2B5EF4-FFF2-40B4-BE49-F238E27FC236}">
-                <a16:creationId xmlns:a16="http://schemas.microsoft.com/office/drawing/2014/main" id="{A7A84111-0B87-8FD9-FEC3-BE51A970E4EE}"/>
+                <a16:creationId xmlns:a16="http://schemas.microsoft.com/office/drawing/2014/main" id="{A833F73B-ED8D-EF2F-705A-7B36A85F6B59}"/>
               </a:ext>
             </a:extLst>
           </p:cNvPr>
@@ -2992,7 +2992,7 @@
             </a:lvl1pPr>
           </a:lstStyle>
           <a:p>
-            <a:fld id="{76197B81-2137-453D-AD4A-81B0A1B3C2B8}" type="slidenum">
+            <a:fld id="{107EE151-E711-480E-B3BD-75C8A92290B4}" type="slidenum">
               <a:rPr lang="zh-CN" altLang="en-US" smtClean="0"/>
               <a:t>‹#›</a:t>
             </a:fld>
@@ -3003,7 +3003,7 @@
     </p:spTree>
     <p:extLst>
       <p:ext uri="{BB962C8B-B14F-4D97-AF65-F5344CB8AC3E}">
-        <p14:creationId xmlns:p14="http://schemas.microsoft.com/office/powerpoint/2010/main" val="2753537489"/>
+        <p14:creationId xmlns:p14="http://schemas.microsoft.com/office/powerpoint/2010/main" val="1522094379"/>
       </p:ext>
     </p:extLst>
   </p:cSld>
